--- a/Sunular/MÖT-Hafta-6-Image Segmentation - Başarı Metrikleri.pptx
+++ b/Sunular/MÖT-Hafta-6-Image Segmentation - Başarı Metrikleri.pptx
@@ -225,7 +225,7 @@
             <a:fld id="{B0262978-0FBB-4141-82FE-92BACB310115}" type="datetimeFigureOut">
               <a:rPr lang="en-US" smtClean="0"/>
               <a:pPr/>
-              <a:t>9/19/2022</a:t>
+              <a:t>12/5/2023</a:t>
             </a:fld>
             <a:endParaRPr lang="en-US"/>
           </a:p>
@@ -1811,7 +1811,7 @@
             <a:fld id="{1B8ABB09-4A1D-463E-8065-109CC2B7EFAA}" type="datetimeFigureOut">
               <a:rPr lang="ar-SA" smtClean="0"/>
               <a:pPr/>
-              <a:t>23/02/1444</a:t>
+              <a:t>23/05/1445</a:t>
             </a:fld>
             <a:endParaRPr lang="ar-SA"/>
           </a:p>
@@ -2116,7 +2116,7 @@
             <a:fld id="{1B8ABB09-4A1D-463E-8065-109CC2B7EFAA}" type="datetimeFigureOut">
               <a:rPr lang="ar-SA" smtClean="0"/>
               <a:pPr/>
-              <a:t>23/02/1444</a:t>
+              <a:t>23/05/1445</a:t>
             </a:fld>
             <a:endParaRPr lang="ar-SA"/>
           </a:p>
@@ -2297,7 +2297,7 @@
             <a:fld id="{1B8ABB09-4A1D-463E-8065-109CC2B7EFAA}" type="datetimeFigureOut">
               <a:rPr lang="ar-SA" smtClean="0"/>
               <a:pPr/>
-              <a:t>23/02/1444</a:t>
+              <a:t>23/05/1445</a:t>
             </a:fld>
             <a:endParaRPr lang="ar-SA"/>
           </a:p>
@@ -2468,7 +2468,7 @@
             <a:fld id="{1B8ABB09-4A1D-463E-8065-109CC2B7EFAA}" type="datetimeFigureOut">
               <a:rPr lang="ar-SA" smtClean="0"/>
               <a:pPr/>
-              <a:t>23/02/1444</a:t>
+              <a:t>23/05/1445</a:t>
             </a:fld>
             <a:endParaRPr lang="ar-SA"/>
           </a:p>
@@ -2734,7 +2734,7 @@
             <a:fld id="{1B8ABB09-4A1D-463E-8065-109CC2B7EFAA}" type="datetimeFigureOut">
               <a:rPr lang="ar-SA" smtClean="0"/>
               <a:pPr/>
-              <a:t>23/02/1444</a:t>
+              <a:t>23/05/1445</a:t>
             </a:fld>
             <a:endParaRPr lang="ar-SA"/>
           </a:p>
@@ -3194,7 +3194,7 @@
             <a:fld id="{1B8ABB09-4A1D-463E-8065-109CC2B7EFAA}" type="datetimeFigureOut">
               <a:rPr lang="ar-SA" smtClean="0"/>
               <a:pPr/>
-              <a:t>23/02/1444</a:t>
+              <a:t>23/05/1445</a:t>
             </a:fld>
             <a:endParaRPr lang="ar-SA"/>
           </a:p>
@@ -3683,7 +3683,7 @@
             <a:fld id="{1B8ABB09-4A1D-463E-8065-109CC2B7EFAA}" type="datetimeFigureOut">
               <a:rPr lang="ar-SA" smtClean="0"/>
               <a:pPr/>
-              <a:t>23/02/1444</a:t>
+              <a:t>23/05/1445</a:t>
             </a:fld>
             <a:endParaRPr lang="ar-SA"/>
           </a:p>
@@ -3807,7 +3807,7 @@
             <a:fld id="{1B8ABB09-4A1D-463E-8065-109CC2B7EFAA}" type="datetimeFigureOut">
               <a:rPr lang="ar-SA" smtClean="0"/>
               <a:pPr/>
-              <a:t>23/02/1444</a:t>
+              <a:t>23/05/1445</a:t>
             </a:fld>
             <a:endParaRPr lang="ar-SA"/>
           </a:p>
@@ -3950,7 +3950,7 @@
             <a:fld id="{1B8ABB09-4A1D-463E-8065-109CC2B7EFAA}" type="datetimeFigureOut">
               <a:rPr lang="ar-SA" smtClean="0"/>
               <a:pPr/>
-              <a:t>23/02/1444</a:t>
+              <a:t>23/05/1445</a:t>
             </a:fld>
             <a:endParaRPr lang="ar-SA"/>
           </a:p>
@@ -4270,7 +4270,7 @@
             <a:fld id="{1B8ABB09-4A1D-463E-8065-109CC2B7EFAA}" type="datetimeFigureOut">
               <a:rPr lang="ar-SA" smtClean="0"/>
               <a:pPr/>
-              <a:t>23/02/1444</a:t>
+              <a:t>23/05/1445</a:t>
             </a:fld>
             <a:endParaRPr lang="ar-SA"/>
           </a:p>
@@ -4404,7 +4404,7 @@
             <a:fld id="{1B8ABB09-4A1D-463E-8065-109CC2B7EFAA}" type="datetimeFigureOut">
               <a:rPr lang="ar-SA" smtClean="0"/>
               <a:pPr/>
-              <a:t>23/02/1444</a:t>
+              <a:t>23/05/1445</a:t>
             </a:fld>
             <a:endParaRPr lang="ar-SA"/>
           </a:p>
@@ -5168,7 +5168,7 @@
             <a:fld id="{1B8ABB09-4A1D-463E-8065-109CC2B7EFAA}" type="datetimeFigureOut">
               <a:rPr lang="ar-SA" smtClean="0"/>
               <a:pPr/>
-              <a:t>23/02/1444</a:t>
+              <a:t>23/05/1445</a:t>
             </a:fld>
             <a:endParaRPr lang="ar-SA"/>
           </a:p>
@@ -5706,6 +5706,13 @@
               </a:rPr>
               <a:t>Material and methods </a:t>
             </a:r>
+            <a:r>
+              <a:rPr lang="en-US" sz="2800" dirty="0">
+                <a:latin typeface="Times New Roman" pitchFamily="18" charset="0"/>
+                <a:cs typeface="Times New Roman" pitchFamily="18" charset="0"/>
+              </a:rPr>
+              <a:t/>
+            </a:r>
             <a:br>
               <a:rPr lang="en-US" sz="2800" dirty="0">
                 <a:latin typeface="Times New Roman" pitchFamily="18" charset="0"/>
@@ -6162,6 +6169,13 @@
               </a:rPr>
               <a:t>Material and methods </a:t>
             </a:r>
+            <a:r>
+              <a:rPr lang="en-US" sz="2800" dirty="0">
+                <a:latin typeface="Times New Roman" pitchFamily="18" charset="0"/>
+                <a:cs typeface="Times New Roman" pitchFamily="18" charset="0"/>
+              </a:rPr>
+              <a:t/>
+            </a:r>
             <a:br>
               <a:rPr lang="en-US" sz="2800" dirty="0">
                 <a:latin typeface="Times New Roman" pitchFamily="18" charset="0"/>
@@ -6235,7 +6249,55 @@
               <a:rPr lang="en-US" sz="2000" dirty="0">
                 <a:latin typeface="Times New Roman" panose="02020603050405020304" pitchFamily="18" charset="0"/>
               </a:rPr>
-              <a:t>The OD segmentation classifies pixels into those belonging to the Non-OD region or OD region Generally, four-pixel classifications are present:</a:t>
+              <a:t>The </a:t>
+            </a:r>
+            <a:r>
+              <a:rPr lang="en-US" sz="2000" dirty="0" smtClean="0">
+                <a:latin typeface="Times New Roman" panose="02020603050405020304" pitchFamily="18" charset="0"/>
+              </a:rPr>
+              <a:t>OD</a:t>
+            </a:r>
+            <a:r>
+              <a:rPr lang="tr-TR" sz="2000" dirty="0" smtClean="0">
+                <a:latin typeface="Times New Roman" panose="02020603050405020304" pitchFamily="18" charset="0"/>
+              </a:rPr>
+              <a:t> (</a:t>
+            </a:r>
+            <a:r>
+              <a:rPr lang="tr-TR" sz="2000" dirty="0" err="1" smtClean="0">
+                <a:latin typeface="Times New Roman" panose="02020603050405020304" pitchFamily="18" charset="0"/>
+              </a:rPr>
+              <a:t>Optic</a:t>
+            </a:r>
+            <a:r>
+              <a:rPr lang="tr-TR" sz="2000" dirty="0" smtClean="0">
+                <a:latin typeface="Times New Roman" panose="02020603050405020304" pitchFamily="18" charset="0"/>
+              </a:rPr>
+              <a:t> </a:t>
+            </a:r>
+            <a:r>
+              <a:rPr lang="tr-TR" sz="2000" dirty="0" err="1" smtClean="0">
+                <a:latin typeface="Times New Roman" panose="02020603050405020304" pitchFamily="18" charset="0"/>
+              </a:rPr>
+              <a:t>Disc</a:t>
+            </a:r>
+            <a:r>
+              <a:rPr lang="tr-TR" sz="2000" dirty="0" smtClean="0">
+                <a:latin typeface="Times New Roman" panose="02020603050405020304" pitchFamily="18" charset="0"/>
+              </a:rPr>
+              <a:t>)</a:t>
+            </a:r>
+            <a:r>
+              <a:rPr lang="en-US" sz="2000" dirty="0" smtClean="0">
+                <a:latin typeface="Times New Roman" panose="02020603050405020304" pitchFamily="18" charset="0"/>
+              </a:rPr>
+              <a:t> </a:t>
+            </a:r>
+            <a:r>
+              <a:rPr lang="en-US" sz="2000" dirty="0">
+                <a:latin typeface="Times New Roman" panose="02020603050405020304" pitchFamily="18" charset="0"/>
+              </a:rPr>
+              <a:t>segmentation classifies pixels into those belonging to the Non-OD region or OD region Generally, four-pixel classifications are present:</a:t>
             </a:r>
             <a:endParaRPr lang="en-US" sz="2000" dirty="0">
               <a:latin typeface="Times New Roman" pitchFamily="18" charset="0"/>
@@ -7188,8 +7250,8 @@
         </p:nvSpPr>
         <p:spPr>
           <a:xfrm>
-            <a:off x="1321679" y="2"/>
-            <a:ext cx="10565524" cy="954107"/>
+            <a:off x="1321679" y="215445"/>
+            <a:ext cx="10565524" cy="523220"/>
           </a:xfrm>
           <a:prstGeom prst="rect">
             <a:avLst/>
@@ -7214,35 +7276,31 @@
               </a:rPr>
               <a:t>Material and methods </a:t>
             </a:r>
-            <a:br>
-              <a:rPr lang="en-US" sz="2800" dirty="0">
+            <a:r>
+              <a:rPr lang="tr-TR" sz="2800" b="1" dirty="0" smtClean="0">
+                <a:solidFill>
+                  <a:schemeClr val="accent2">
+                    <a:lumMod val="75000"/>
+                  </a:schemeClr>
+                </a:solidFill>
+                <a:effectLst/>
                 <a:latin typeface="Times New Roman" pitchFamily="18" charset="0"/>
                 <a:cs typeface="Times New Roman" pitchFamily="18" charset="0"/>
               </a:rPr>
-            </a:br>
-            <a:r>
-              <a:rPr lang="en-US" sz="2800" dirty="0">
+              <a:t>-&gt;</a:t>
+            </a:r>
+            <a:r>
+              <a:rPr lang="en-US" sz="2800" b="1" dirty="0" smtClean="0">
                 <a:solidFill>
-                  <a:schemeClr val="accent5">
-                    <a:lumMod val="60000"/>
-                    <a:lumOff val="40000"/>
+                  <a:schemeClr val="accent2">
+                    <a:lumMod val="75000"/>
                   </a:schemeClr>
                 </a:solidFill>
+                <a:effectLst/>
                 <a:latin typeface="Times New Roman" pitchFamily="18" charset="0"/>
                 <a:cs typeface="Times New Roman" pitchFamily="18" charset="0"/>
               </a:rPr>
-              <a:t>3</a:t>
-            </a:r>
-            <a:r>
-              <a:rPr lang="en-US" sz="2800" dirty="0">
-                <a:latin typeface="Times New Roman" pitchFamily="18" charset="0"/>
-                <a:cs typeface="Times New Roman" pitchFamily="18" charset="0"/>
-              </a:rPr>
-              <a:t>.</a:t>
-            </a:r>
-            <a:r>
-              <a:rPr lang="en-US" sz="1100" dirty="0"/>
-              <a:t> </a:t>
+              <a:t>Parameter </a:t>
             </a:r>
             <a:r>
               <a:rPr lang="en-US" sz="2800" b="1" dirty="0">
@@ -7255,7 +7313,7 @@
                 <a:latin typeface="Times New Roman" pitchFamily="18" charset="0"/>
                 <a:cs typeface="Times New Roman" pitchFamily="18" charset="0"/>
               </a:rPr>
-              <a:t>Parameter evaluation</a:t>
+              <a:t>evaluation</a:t>
             </a:r>
           </a:p>
         </p:txBody>
@@ -7272,7 +7330,7 @@
         </p:nvSpPr>
         <p:spPr>
           <a:xfrm>
-            <a:off x="1321678" y="762006"/>
+            <a:off x="1292371" y="477166"/>
             <a:ext cx="10794121" cy="5901919"/>
           </a:xfrm>
         </p:spPr>
@@ -7314,14 +7372,14 @@
           <p:nvPr>
             <p:extLst>
               <p:ext uri="{D42A27DB-BD31-4B8C-83A1-F6EECF244321}">
-                <p14:modId xmlns:p14="http://schemas.microsoft.com/office/powerpoint/2010/main" val="134588630"/>
+                <p14:modId xmlns:p14="http://schemas.microsoft.com/office/powerpoint/2010/main" val="545390238"/>
               </p:ext>
             </p:extLst>
           </p:nvPr>
         </p:nvGraphicFramePr>
         <p:xfrm>
-          <a:off x="1447800" y="1441095"/>
-          <a:ext cx="9296400" cy="5300940"/>
+          <a:off x="1447800" y="990600"/>
+          <a:ext cx="10439404" cy="4403956"/>
         </p:xfrm>
         <a:graphic>
           <a:graphicData uri="http://schemas.openxmlformats.org/drawingml/2006/table">
@@ -7330,14 +7388,14 @@
                 <a:tableStyleId>{2D5ABB26-0587-4C30-8999-92F81FD0307C}</a:tableStyleId>
               </a:tblPr>
               <a:tblGrid>
-                <a:gridCol w="3477279">
+                <a:gridCol w="3553840">
                   <a:extLst>
                     <a:ext uri="{9D8B030D-6E8A-4147-A177-3AD203B41FA5}">
                       <a16:colId xmlns:a16="http://schemas.microsoft.com/office/drawing/2014/main" val="4023981197"/>
                     </a:ext>
                   </a:extLst>
                 </a:gridCol>
-                <a:gridCol w="5819121">
+                <a:gridCol w="6885564">
                   <a:extLst>
                     <a:ext uri="{9D8B030D-6E8A-4147-A177-3AD203B41FA5}">
                       <a16:colId xmlns:a16="http://schemas.microsoft.com/office/drawing/2014/main" val="1962832997"/>
@@ -7353,7 +7411,7 @@
                     <a:p>
                       <a:pPr algn="ctr"/>
                       <a:r>
-                        <a:rPr kumimoji="0" lang="en-US" sz="2000" b="1" kern="1200" dirty="0">
+                        <a:rPr kumimoji="0" lang="en-US" sz="1900" b="1" kern="1200" dirty="0">
                           <a:solidFill>
                             <a:schemeClr val="tx1"/>
                           </a:solidFill>
@@ -7411,7 +7469,7 @@
                     <a:p>
                       <a:pPr algn="ctr"/>
                       <a:r>
-                        <a:rPr kumimoji="0" lang="en-US" sz="2000" b="1" kern="1200" dirty="0">
+                        <a:rPr kumimoji="0" lang="en-US" sz="1900" b="1" kern="1200" dirty="0">
                           <a:solidFill>
                             <a:schemeClr val="tx1"/>
                           </a:solidFill>
@@ -7965,7 +8023,7 @@
                         <a:t>Union</a:t>
                       </a:r>
                       <a:r>
-                        <a:rPr kumimoji="0" lang="tr-TR" sz="1900" b="1" kern="1200">
+                        <a:rPr kumimoji="0" lang="tr-TR" sz="1900" b="1" kern="1200" dirty="0">
                           <a:solidFill>
                             <a:schemeClr val="tx1"/>
                           </a:solidFill>
@@ -8085,6 +8143,383 @@
                     </a:p>
                     <a:p>
                       <a:pPr marL="0" algn="l" rtl="0" eaLnBrk="1" latinLnBrk="0" hangingPunct="1"/>
+                      <a:r>
+                        <a:rPr kumimoji="0" lang="en-US" sz="1900" kern="1200" dirty="0" smtClean="0">
+                          <a:solidFill>
+                            <a:schemeClr val="tx1"/>
+                          </a:solidFill>
+                          <a:latin typeface="Times New Roman" pitchFamily="18" charset="0"/>
+                          <a:ea typeface="+mj-ea"/>
+                          <a:cs typeface="Times New Roman" pitchFamily="18" charset="0"/>
+                        </a:rPr>
+                        <a:t>∣A∩B∣, </a:t>
+                      </a:r>
+                      <a:r>
+                        <a:rPr kumimoji="0" lang="en-US" sz="1900" kern="1200" dirty="0" err="1" smtClean="0">
+                          <a:solidFill>
+                            <a:schemeClr val="tx1"/>
+                          </a:solidFill>
+                          <a:latin typeface="Times New Roman" pitchFamily="18" charset="0"/>
+                          <a:ea typeface="+mj-ea"/>
+                          <a:cs typeface="Times New Roman" pitchFamily="18" charset="0"/>
+                        </a:rPr>
+                        <a:t>iki</a:t>
+                      </a:r>
+                      <a:r>
+                        <a:rPr kumimoji="0" lang="en-US" sz="1900" kern="1200" dirty="0" smtClean="0">
+                          <a:solidFill>
+                            <a:schemeClr val="tx1"/>
+                          </a:solidFill>
+                          <a:latin typeface="Times New Roman" pitchFamily="18" charset="0"/>
+                          <a:ea typeface="+mj-ea"/>
+                          <a:cs typeface="Times New Roman" pitchFamily="18" charset="0"/>
+                        </a:rPr>
+                        <a:t> </a:t>
+                      </a:r>
+                      <a:r>
+                        <a:rPr kumimoji="0" lang="en-US" sz="1900" kern="1200" dirty="0" err="1" smtClean="0">
+                          <a:solidFill>
+                            <a:schemeClr val="tx1"/>
+                          </a:solidFill>
+                          <a:latin typeface="Times New Roman" pitchFamily="18" charset="0"/>
+                          <a:ea typeface="+mj-ea"/>
+                          <a:cs typeface="Times New Roman" pitchFamily="18" charset="0"/>
+                        </a:rPr>
+                        <a:t>kümenin</a:t>
+                      </a:r>
+                      <a:r>
+                        <a:rPr kumimoji="0" lang="en-US" sz="1900" kern="1200" dirty="0" smtClean="0">
+                          <a:solidFill>
+                            <a:schemeClr val="tx1"/>
+                          </a:solidFill>
+                          <a:latin typeface="Times New Roman" pitchFamily="18" charset="0"/>
+                          <a:ea typeface="+mj-ea"/>
+                          <a:cs typeface="Times New Roman" pitchFamily="18" charset="0"/>
+                        </a:rPr>
+                        <a:t> </a:t>
+                      </a:r>
+                      <a:r>
+                        <a:rPr kumimoji="0" lang="en-US" sz="1900" kern="1200" dirty="0" err="1" smtClean="0">
+                          <a:solidFill>
+                            <a:schemeClr val="tx1"/>
+                          </a:solidFill>
+                          <a:latin typeface="Times New Roman" pitchFamily="18" charset="0"/>
+                          <a:ea typeface="+mj-ea"/>
+                          <a:cs typeface="Times New Roman" pitchFamily="18" charset="0"/>
+                        </a:rPr>
+                        <a:t>kesişim</a:t>
+                      </a:r>
+                      <a:r>
+                        <a:rPr kumimoji="0" lang="en-US" sz="1900" kern="1200" dirty="0" smtClean="0">
+                          <a:solidFill>
+                            <a:schemeClr val="tx1"/>
+                          </a:solidFill>
+                          <a:latin typeface="Times New Roman" pitchFamily="18" charset="0"/>
+                          <a:ea typeface="+mj-ea"/>
+                          <a:cs typeface="Times New Roman" pitchFamily="18" charset="0"/>
+                        </a:rPr>
+                        <a:t> </a:t>
+                      </a:r>
+                      <a:r>
+                        <a:rPr kumimoji="0" lang="en-US" sz="1900" kern="1200" dirty="0" err="1" smtClean="0">
+                          <a:solidFill>
+                            <a:schemeClr val="tx1"/>
+                          </a:solidFill>
+                          <a:latin typeface="Times New Roman" pitchFamily="18" charset="0"/>
+                          <a:ea typeface="+mj-ea"/>
+                          <a:cs typeface="Times New Roman" pitchFamily="18" charset="0"/>
+                        </a:rPr>
+                        <a:t>kümesinin</a:t>
+                      </a:r>
+                      <a:r>
+                        <a:rPr kumimoji="0" lang="en-US" sz="1900" kern="1200" dirty="0" smtClean="0">
+                          <a:solidFill>
+                            <a:schemeClr val="tx1"/>
+                          </a:solidFill>
+                          <a:latin typeface="Times New Roman" pitchFamily="18" charset="0"/>
+                          <a:ea typeface="+mj-ea"/>
+                          <a:cs typeface="Times New Roman" pitchFamily="18" charset="0"/>
+                        </a:rPr>
+                        <a:t> </a:t>
+                      </a:r>
+                      <a:r>
+                        <a:rPr kumimoji="0" lang="en-US" sz="1900" kern="1200" dirty="0" err="1" smtClean="0">
+                          <a:solidFill>
+                            <a:schemeClr val="tx1"/>
+                          </a:solidFill>
+                          <a:latin typeface="Times New Roman" pitchFamily="18" charset="0"/>
+                          <a:ea typeface="+mj-ea"/>
+                          <a:cs typeface="Times New Roman" pitchFamily="18" charset="0"/>
+                        </a:rPr>
+                        <a:t>eleman</a:t>
+                      </a:r>
+                      <a:r>
+                        <a:rPr kumimoji="0" lang="en-US" sz="1900" kern="1200" dirty="0" smtClean="0">
+                          <a:solidFill>
+                            <a:schemeClr val="tx1"/>
+                          </a:solidFill>
+                          <a:latin typeface="Times New Roman" pitchFamily="18" charset="0"/>
+                          <a:ea typeface="+mj-ea"/>
+                          <a:cs typeface="Times New Roman" pitchFamily="18" charset="0"/>
+                        </a:rPr>
+                        <a:t> </a:t>
+                      </a:r>
+                      <a:r>
+                        <a:rPr kumimoji="0" lang="en-US" sz="1900" kern="1200" dirty="0" err="1" smtClean="0">
+                          <a:solidFill>
+                            <a:schemeClr val="tx1"/>
+                          </a:solidFill>
+                          <a:latin typeface="Times New Roman" pitchFamily="18" charset="0"/>
+                          <a:ea typeface="+mj-ea"/>
+                          <a:cs typeface="Times New Roman" pitchFamily="18" charset="0"/>
+                        </a:rPr>
+                        <a:t>sayısını</a:t>
+                      </a:r>
+                      <a:r>
+                        <a:rPr kumimoji="0" lang="en-US" sz="1900" kern="1200" dirty="0" smtClean="0">
+                          <a:solidFill>
+                            <a:schemeClr val="tx1"/>
+                          </a:solidFill>
+                          <a:latin typeface="Times New Roman" pitchFamily="18" charset="0"/>
+                          <a:ea typeface="+mj-ea"/>
+                          <a:cs typeface="Times New Roman" pitchFamily="18" charset="0"/>
+                        </a:rPr>
+                        <a:t> </a:t>
+                      </a:r>
+                      <a:r>
+                        <a:rPr kumimoji="0" lang="en-US" sz="1900" kern="1200" dirty="0" err="1" smtClean="0">
+                          <a:solidFill>
+                            <a:schemeClr val="tx1"/>
+                          </a:solidFill>
+                          <a:latin typeface="Times New Roman" pitchFamily="18" charset="0"/>
+                          <a:ea typeface="+mj-ea"/>
+                          <a:cs typeface="Times New Roman" pitchFamily="18" charset="0"/>
+                        </a:rPr>
+                        <a:t>temsil</a:t>
+                      </a:r>
+                      <a:r>
+                        <a:rPr kumimoji="0" lang="en-US" sz="1900" kern="1200" dirty="0" smtClean="0">
+                          <a:solidFill>
+                            <a:schemeClr val="tx1"/>
+                          </a:solidFill>
+                          <a:latin typeface="Times New Roman" pitchFamily="18" charset="0"/>
+                          <a:ea typeface="+mj-ea"/>
+                          <a:cs typeface="Times New Roman" pitchFamily="18" charset="0"/>
+                        </a:rPr>
+                        <a:t> </a:t>
+                      </a:r>
+                      <a:r>
+                        <a:rPr kumimoji="0" lang="en-US" sz="1900" kern="1200" dirty="0" err="1" smtClean="0">
+                          <a:solidFill>
+                            <a:schemeClr val="tx1"/>
+                          </a:solidFill>
+                          <a:latin typeface="Times New Roman" pitchFamily="18" charset="0"/>
+                          <a:ea typeface="+mj-ea"/>
+                          <a:cs typeface="Times New Roman" pitchFamily="18" charset="0"/>
+                        </a:rPr>
+                        <a:t>eder</a:t>
+                      </a:r>
+                      <a:r>
+                        <a:rPr kumimoji="0" lang="en-US" sz="1900" kern="1200" dirty="0" smtClean="0">
+                          <a:solidFill>
+                            <a:schemeClr val="tx1"/>
+                          </a:solidFill>
+                          <a:latin typeface="Times New Roman" pitchFamily="18" charset="0"/>
+                          <a:ea typeface="+mj-ea"/>
+                          <a:cs typeface="Times New Roman" pitchFamily="18" charset="0"/>
+                        </a:rPr>
+                        <a:t>.</a:t>
+                      </a:r>
+                    </a:p>
+                    <a:p>
+                      <a:pPr marL="0" algn="l" rtl="0" eaLnBrk="1" latinLnBrk="0" hangingPunct="1"/>
+                      <a:r>
+                        <a:rPr kumimoji="0" lang="en-US" sz="1900" kern="1200" dirty="0" smtClean="0">
+                          <a:solidFill>
+                            <a:schemeClr val="tx1"/>
+                          </a:solidFill>
+                          <a:latin typeface="Times New Roman" pitchFamily="18" charset="0"/>
+                          <a:ea typeface="+mj-ea"/>
+                          <a:cs typeface="Times New Roman" pitchFamily="18" charset="0"/>
+                        </a:rPr>
+                        <a:t>∣A∪B∣, </a:t>
+                      </a:r>
+                      <a:r>
+                        <a:rPr kumimoji="0" lang="en-US" sz="1900" kern="1200" dirty="0" err="1" smtClean="0">
+                          <a:solidFill>
+                            <a:schemeClr val="tx1"/>
+                          </a:solidFill>
+                          <a:latin typeface="Times New Roman" pitchFamily="18" charset="0"/>
+                          <a:ea typeface="+mj-ea"/>
+                          <a:cs typeface="Times New Roman" pitchFamily="18" charset="0"/>
+                        </a:rPr>
+                        <a:t>iki</a:t>
+                      </a:r>
+                      <a:r>
+                        <a:rPr kumimoji="0" lang="en-US" sz="1900" kern="1200" dirty="0" smtClean="0">
+                          <a:solidFill>
+                            <a:schemeClr val="tx1"/>
+                          </a:solidFill>
+                          <a:latin typeface="Times New Roman" pitchFamily="18" charset="0"/>
+                          <a:ea typeface="+mj-ea"/>
+                          <a:cs typeface="Times New Roman" pitchFamily="18" charset="0"/>
+                        </a:rPr>
+                        <a:t> </a:t>
+                      </a:r>
+                      <a:r>
+                        <a:rPr kumimoji="0" lang="en-US" sz="1900" kern="1200" dirty="0" err="1" smtClean="0">
+                          <a:solidFill>
+                            <a:schemeClr val="tx1"/>
+                          </a:solidFill>
+                          <a:latin typeface="Times New Roman" pitchFamily="18" charset="0"/>
+                          <a:ea typeface="+mj-ea"/>
+                          <a:cs typeface="Times New Roman" pitchFamily="18" charset="0"/>
+                        </a:rPr>
+                        <a:t>kümenin</a:t>
+                      </a:r>
+                      <a:r>
+                        <a:rPr kumimoji="0" lang="en-US" sz="1900" kern="1200" dirty="0" smtClean="0">
+                          <a:solidFill>
+                            <a:schemeClr val="tx1"/>
+                          </a:solidFill>
+                          <a:latin typeface="Times New Roman" pitchFamily="18" charset="0"/>
+                          <a:ea typeface="+mj-ea"/>
+                          <a:cs typeface="Times New Roman" pitchFamily="18" charset="0"/>
+                        </a:rPr>
+                        <a:t> </a:t>
+                      </a:r>
+                      <a:r>
+                        <a:rPr kumimoji="0" lang="en-US" sz="1900" kern="1200" dirty="0" err="1" smtClean="0">
+                          <a:solidFill>
+                            <a:schemeClr val="tx1"/>
+                          </a:solidFill>
+                          <a:latin typeface="Times New Roman" pitchFamily="18" charset="0"/>
+                          <a:ea typeface="+mj-ea"/>
+                          <a:cs typeface="Times New Roman" pitchFamily="18" charset="0"/>
+                        </a:rPr>
+                        <a:t>birleşim</a:t>
+                      </a:r>
+                      <a:r>
+                        <a:rPr kumimoji="0" lang="en-US" sz="1900" kern="1200" dirty="0" smtClean="0">
+                          <a:solidFill>
+                            <a:schemeClr val="tx1"/>
+                          </a:solidFill>
+                          <a:latin typeface="Times New Roman" pitchFamily="18" charset="0"/>
+                          <a:ea typeface="+mj-ea"/>
+                          <a:cs typeface="Times New Roman" pitchFamily="18" charset="0"/>
+                        </a:rPr>
+                        <a:t> </a:t>
+                      </a:r>
+                      <a:r>
+                        <a:rPr kumimoji="0" lang="en-US" sz="1900" kern="1200" dirty="0" err="1" smtClean="0">
+                          <a:solidFill>
+                            <a:schemeClr val="tx1"/>
+                          </a:solidFill>
+                          <a:latin typeface="Times New Roman" pitchFamily="18" charset="0"/>
+                          <a:ea typeface="+mj-ea"/>
+                          <a:cs typeface="Times New Roman" pitchFamily="18" charset="0"/>
+                        </a:rPr>
+                        <a:t>kümesinin</a:t>
+                      </a:r>
+                      <a:r>
+                        <a:rPr kumimoji="0" lang="en-US" sz="1900" kern="1200" dirty="0" smtClean="0">
+                          <a:solidFill>
+                            <a:schemeClr val="tx1"/>
+                          </a:solidFill>
+                          <a:latin typeface="Times New Roman" pitchFamily="18" charset="0"/>
+                          <a:ea typeface="+mj-ea"/>
+                          <a:cs typeface="Times New Roman" pitchFamily="18" charset="0"/>
+                        </a:rPr>
+                        <a:t> </a:t>
+                      </a:r>
+                      <a:r>
+                        <a:rPr kumimoji="0" lang="en-US" sz="1900" kern="1200" dirty="0" err="1" smtClean="0">
+                          <a:solidFill>
+                            <a:schemeClr val="tx1"/>
+                          </a:solidFill>
+                          <a:latin typeface="Times New Roman" pitchFamily="18" charset="0"/>
+                          <a:ea typeface="+mj-ea"/>
+                          <a:cs typeface="Times New Roman" pitchFamily="18" charset="0"/>
+                        </a:rPr>
+                        <a:t>eleman</a:t>
+                      </a:r>
+                      <a:r>
+                        <a:rPr kumimoji="0" lang="en-US" sz="1900" kern="1200" dirty="0" smtClean="0">
+                          <a:solidFill>
+                            <a:schemeClr val="tx1"/>
+                          </a:solidFill>
+                          <a:latin typeface="Times New Roman" pitchFamily="18" charset="0"/>
+                          <a:ea typeface="+mj-ea"/>
+                          <a:cs typeface="Times New Roman" pitchFamily="18" charset="0"/>
+                        </a:rPr>
+                        <a:t> </a:t>
+                      </a:r>
+                      <a:r>
+                        <a:rPr kumimoji="0" lang="en-US" sz="1900" kern="1200" dirty="0" err="1" smtClean="0">
+                          <a:solidFill>
+                            <a:schemeClr val="tx1"/>
+                          </a:solidFill>
+                          <a:latin typeface="Times New Roman" pitchFamily="18" charset="0"/>
+                          <a:ea typeface="+mj-ea"/>
+                          <a:cs typeface="Times New Roman" pitchFamily="18" charset="0"/>
+                        </a:rPr>
+                        <a:t>sayısını</a:t>
+                      </a:r>
+                      <a:r>
+                        <a:rPr kumimoji="0" lang="en-US" sz="1900" kern="1200" dirty="0" smtClean="0">
+                          <a:solidFill>
+                            <a:schemeClr val="tx1"/>
+                          </a:solidFill>
+                          <a:latin typeface="Times New Roman" pitchFamily="18" charset="0"/>
+                          <a:ea typeface="+mj-ea"/>
+                          <a:cs typeface="Times New Roman" pitchFamily="18" charset="0"/>
+                        </a:rPr>
+                        <a:t> </a:t>
+                      </a:r>
+                      <a:r>
+                        <a:rPr kumimoji="0" lang="en-US" sz="1900" kern="1200" dirty="0" err="1" smtClean="0">
+                          <a:solidFill>
+                            <a:schemeClr val="tx1"/>
+                          </a:solidFill>
+                          <a:latin typeface="Times New Roman" pitchFamily="18" charset="0"/>
+                          <a:ea typeface="+mj-ea"/>
+                          <a:cs typeface="Times New Roman" pitchFamily="18" charset="0"/>
+                        </a:rPr>
+                        <a:t>temsil</a:t>
+                      </a:r>
+                      <a:r>
+                        <a:rPr kumimoji="0" lang="en-US" sz="1900" kern="1200" dirty="0" smtClean="0">
+                          <a:solidFill>
+                            <a:schemeClr val="tx1"/>
+                          </a:solidFill>
+                          <a:latin typeface="Times New Roman" pitchFamily="18" charset="0"/>
+                          <a:ea typeface="+mj-ea"/>
+                          <a:cs typeface="Times New Roman" pitchFamily="18" charset="0"/>
+                        </a:rPr>
+                        <a:t> </a:t>
+                      </a:r>
+                      <a:r>
+                        <a:rPr kumimoji="0" lang="en-US" sz="1900" kern="1200" dirty="0" err="1" smtClean="0">
+                          <a:solidFill>
+                            <a:schemeClr val="tx1"/>
+                          </a:solidFill>
+                          <a:latin typeface="Times New Roman" pitchFamily="18" charset="0"/>
+                          <a:ea typeface="+mj-ea"/>
+                          <a:cs typeface="Times New Roman" pitchFamily="18" charset="0"/>
+                        </a:rPr>
+                        <a:t>eder</a:t>
+                      </a:r>
+                      <a:r>
+                        <a:rPr kumimoji="0" lang="en-US" sz="1900" kern="1200" dirty="0" smtClean="0">
+                          <a:solidFill>
+                            <a:schemeClr val="tx1"/>
+                          </a:solidFill>
+                          <a:latin typeface="Times New Roman" pitchFamily="18" charset="0"/>
+                          <a:ea typeface="+mj-ea"/>
+                          <a:cs typeface="Times New Roman" pitchFamily="18" charset="0"/>
+                        </a:rPr>
+                        <a:t>.</a:t>
+                      </a:r>
                       <a:endParaRPr kumimoji="0" lang="en-US" sz="1900" kern="1200" dirty="0">
                         <a:solidFill>
                           <a:schemeClr val="tx1"/>
@@ -8206,37 +8641,146 @@
                     <a:p>
                       <a:pPr marL="0" algn="l" rtl="0" eaLnBrk="1" latinLnBrk="0" hangingPunct="1"/>
                       <a:r>
-                        <a:rPr kumimoji="0" lang="en-US" sz="1900" kern="1200" dirty="0">
+                        <a:rPr kumimoji="0" lang="tr-TR" sz="1900" i="1" kern="1200" dirty="0" smtClean="0">
                           <a:solidFill>
                             <a:schemeClr val="tx1"/>
                           </a:solidFill>
-                          <a:latin typeface="Times New Roman" pitchFamily="18" charset="0"/>
-                          <a:ea typeface="+mj-ea"/>
-                          <a:cs typeface="Times New Roman" pitchFamily="18" charset="0"/>
+                          <a:effectLst/>
+                          <a:latin typeface="Times New Roman" panose="02020603050405020304" pitchFamily="18" charset="0"/>
+                          <a:ea typeface="+mn-ea"/>
+                          <a:cs typeface="Times New Roman" panose="02020603050405020304" pitchFamily="18" charset="0"/>
                         </a:rPr>
-                        <a:t>D(A,B) = 2 |A and B | / (|A|+|B|)</a:t>
+                        <a:t>D(A,B)</a:t>
                       </a:r>
-                    </a:p>
-                    <a:p>
-                      <a:pPr marL="0" marR="0" lvl="0" indent="0" algn="l" defTabSz="914400" rtl="0" eaLnBrk="1" fontAlgn="auto" latinLnBrk="0" hangingPunct="1">
-                        <a:lnSpc>
-                          <a:spcPct val="100000"/>
-                        </a:lnSpc>
-                        <a:spcBef>
-                          <a:spcPts val="0"/>
-                        </a:spcBef>
-                        <a:spcAft>
-                          <a:spcPts val="0"/>
-                        </a:spcAft>
-                        <a:buClrTx/>
-                        <a:buSzTx/>
-                        <a:buFontTx/>
-                        <a:buNone/>
-                        <a:tabLst/>
-                        <a:defRPr/>
-                      </a:pPr>
                       <a:r>
-                        <a:rPr kumimoji="0" lang="en-US" sz="1900" kern="1200" dirty="0" err="1">
+                        <a:rPr lang="tr-TR" sz="1900" dirty="0" smtClean="0">
+                          <a:effectLst/>
+                          <a:latin typeface="Times New Roman" panose="02020603050405020304" pitchFamily="18" charset="0"/>
+                          <a:cs typeface="Times New Roman" panose="02020603050405020304" pitchFamily="18" charset="0"/>
+                        </a:rPr>
+                        <a:t>=</a:t>
+                      </a:r>
+                      <a:r>
+                        <a:rPr kumimoji="0" lang="tr-TR" sz="1900" b="0" i="0" kern="1200" dirty="0" smtClean="0">
+                          <a:solidFill>
+                            <a:schemeClr val="tx1"/>
+                          </a:solidFill>
+                          <a:effectLst/>
+                          <a:latin typeface="Times New Roman" panose="02020603050405020304" pitchFamily="18" charset="0"/>
+                          <a:ea typeface="+mn-ea"/>
+                          <a:cs typeface="Times New Roman" panose="02020603050405020304" pitchFamily="18" charset="0"/>
+                        </a:rPr>
+                        <a:t>2×∣</a:t>
+                      </a:r>
+                      <a:r>
+                        <a:rPr kumimoji="0" lang="tr-TR" sz="1900" b="0" i="1" kern="1200" dirty="0" smtClean="0">
+                          <a:solidFill>
+                            <a:schemeClr val="tx1"/>
+                          </a:solidFill>
+                          <a:effectLst/>
+                          <a:latin typeface="Times New Roman" panose="02020603050405020304" pitchFamily="18" charset="0"/>
+                          <a:ea typeface="+mn-ea"/>
+                          <a:cs typeface="Times New Roman" panose="02020603050405020304" pitchFamily="18" charset="0"/>
+                        </a:rPr>
+                        <a:t>A</a:t>
+                      </a:r>
+                      <a:r>
+                        <a:rPr kumimoji="0" lang="tr-TR" sz="1900" b="0" i="0" kern="1200" dirty="0" smtClean="0">
+                          <a:solidFill>
+                            <a:schemeClr val="tx1"/>
+                          </a:solidFill>
+                          <a:effectLst/>
+                          <a:latin typeface="Times New Roman" panose="02020603050405020304" pitchFamily="18" charset="0"/>
+                          <a:ea typeface="+mn-ea"/>
+                          <a:cs typeface="Times New Roman" panose="02020603050405020304" pitchFamily="18" charset="0"/>
+                        </a:rPr>
+                        <a:t>∩</a:t>
+                      </a:r>
+                      <a:r>
+                        <a:rPr kumimoji="0" lang="tr-TR" sz="1900" b="0" i="1" kern="1200" dirty="0" smtClean="0">
+                          <a:solidFill>
+                            <a:schemeClr val="tx1"/>
+                          </a:solidFill>
+                          <a:effectLst/>
+                          <a:latin typeface="Times New Roman" panose="02020603050405020304" pitchFamily="18" charset="0"/>
+                          <a:ea typeface="+mn-ea"/>
+                          <a:cs typeface="Times New Roman" panose="02020603050405020304" pitchFamily="18" charset="0"/>
+                        </a:rPr>
+                        <a:t>B</a:t>
+                      </a:r>
+                      <a:r>
+                        <a:rPr kumimoji="0" lang="tr-TR" sz="1900" b="0" i="0" kern="1200" dirty="0" smtClean="0">
+                          <a:solidFill>
+                            <a:schemeClr val="tx1"/>
+                          </a:solidFill>
+                          <a:effectLst/>
+                          <a:latin typeface="Times New Roman" panose="02020603050405020304" pitchFamily="18" charset="0"/>
+                          <a:ea typeface="+mn-ea"/>
+                          <a:cs typeface="Times New Roman" panose="02020603050405020304" pitchFamily="18" charset="0"/>
+                        </a:rPr>
+                        <a:t>∣​/(∣</a:t>
+                      </a:r>
+                      <a:r>
+                        <a:rPr kumimoji="0" lang="tr-TR" sz="1900" b="0" i="1" kern="1200" dirty="0" smtClean="0">
+                          <a:solidFill>
+                            <a:schemeClr val="tx1"/>
+                          </a:solidFill>
+                          <a:effectLst/>
+                          <a:latin typeface="Times New Roman" panose="02020603050405020304" pitchFamily="18" charset="0"/>
+                          <a:ea typeface="+mn-ea"/>
+                          <a:cs typeface="Times New Roman" panose="02020603050405020304" pitchFamily="18" charset="0"/>
+                        </a:rPr>
+                        <a:t>A</a:t>
+                      </a:r>
+                      <a:r>
+                        <a:rPr kumimoji="0" lang="tr-TR" sz="1900" b="0" i="0" kern="1200" dirty="0" smtClean="0">
+                          <a:solidFill>
+                            <a:schemeClr val="tx1"/>
+                          </a:solidFill>
+                          <a:effectLst/>
+                          <a:latin typeface="Times New Roman" panose="02020603050405020304" pitchFamily="18" charset="0"/>
+                          <a:ea typeface="+mn-ea"/>
+                          <a:cs typeface="Times New Roman" panose="02020603050405020304" pitchFamily="18" charset="0"/>
+                        </a:rPr>
+                        <a:t>∣+∣</a:t>
+                      </a:r>
+                      <a:r>
+                        <a:rPr kumimoji="0" lang="tr-TR" sz="1900" b="0" i="1" kern="1200" dirty="0" smtClean="0">
+                          <a:solidFill>
+                            <a:schemeClr val="tx1"/>
+                          </a:solidFill>
+                          <a:effectLst/>
+                          <a:latin typeface="Times New Roman" panose="02020603050405020304" pitchFamily="18" charset="0"/>
+                          <a:ea typeface="+mn-ea"/>
+                          <a:cs typeface="Times New Roman" panose="02020603050405020304" pitchFamily="18" charset="0"/>
+                        </a:rPr>
+                        <a:t>B</a:t>
+                      </a:r>
+                      <a:r>
+                        <a:rPr kumimoji="0" lang="tr-TR" sz="1900" b="0" i="0" kern="1200" dirty="0" smtClean="0">
+                          <a:solidFill>
+                            <a:schemeClr val="tx1"/>
+                          </a:solidFill>
+                          <a:effectLst/>
+                          <a:latin typeface="Times New Roman" panose="02020603050405020304" pitchFamily="18" charset="0"/>
+                          <a:ea typeface="+mn-ea"/>
+                          <a:cs typeface="Times New Roman" panose="02020603050405020304" pitchFamily="18" charset="0"/>
+                        </a:rPr>
+                        <a:t>∣)</a:t>
+                      </a:r>
+                      <a:br>
+                        <a:rPr kumimoji="0" lang="tr-TR" sz="1900" b="0" i="0" kern="1200" dirty="0" smtClean="0">
+                          <a:solidFill>
+                            <a:schemeClr val="tx1"/>
+                          </a:solidFill>
+                          <a:effectLst/>
+                          <a:latin typeface="Times New Roman" panose="02020603050405020304" pitchFamily="18" charset="0"/>
+                          <a:ea typeface="+mn-ea"/>
+                          <a:cs typeface="Times New Roman" panose="02020603050405020304" pitchFamily="18" charset="0"/>
+                        </a:rPr>
+                      </a:br>
+                      <a:r>
+                        <a:rPr kumimoji="0" lang="en-US" sz="1900" kern="1200" dirty="0" err="1" smtClean="0">
                           <a:solidFill>
                             <a:schemeClr val="tx1"/>
                           </a:solidFill>
@@ -8247,7 +8791,7 @@
                         <a:t>Dic</a:t>
                       </a:r>
                       <a:r>
-                        <a:rPr kumimoji="0" lang="en-US" sz="1900" kern="1200" dirty="0">
+                        <a:rPr kumimoji="0" lang="en-US" sz="1900" kern="1200" dirty="0" smtClean="0">
                           <a:solidFill>
                             <a:schemeClr val="tx1"/>
                           </a:solidFill>
@@ -8255,7 +8799,164 @@
                           <a:ea typeface="+mn-ea"/>
                           <a:cs typeface="Times New Roman" pitchFamily="18" charset="0"/>
                         </a:rPr>
-                        <a:t>        = 2TP/2TP+FP+FN</a:t>
+                        <a:t>= 2TP/</a:t>
+                      </a:r>
+                      <a:r>
+                        <a:rPr kumimoji="0" lang="tr-TR" sz="1900" kern="1200" dirty="0" smtClean="0">
+                          <a:solidFill>
+                            <a:schemeClr val="tx1"/>
+                          </a:solidFill>
+                          <a:latin typeface="Times New Roman" pitchFamily="18" charset="0"/>
+                          <a:ea typeface="+mn-ea"/>
+                          <a:cs typeface="Times New Roman" pitchFamily="18" charset="0"/>
+                        </a:rPr>
+                        <a:t>(</a:t>
+                      </a:r>
+                      <a:r>
+                        <a:rPr kumimoji="0" lang="en-US" sz="1900" kern="1200" dirty="0" smtClean="0">
+                          <a:solidFill>
+                            <a:schemeClr val="tx1"/>
+                          </a:solidFill>
+                          <a:latin typeface="Times New Roman" pitchFamily="18" charset="0"/>
+                          <a:ea typeface="+mn-ea"/>
+                          <a:cs typeface="Times New Roman" pitchFamily="18" charset="0"/>
+                        </a:rPr>
+                        <a:t>2TP+FP+FN</a:t>
+                      </a:r>
+                      <a:r>
+                        <a:rPr kumimoji="0" lang="tr-TR" sz="1900" kern="1200" dirty="0" smtClean="0">
+                          <a:solidFill>
+                            <a:schemeClr val="tx1"/>
+                          </a:solidFill>
+                          <a:latin typeface="Times New Roman" pitchFamily="18" charset="0"/>
+                          <a:ea typeface="+mn-ea"/>
+                          <a:cs typeface="Times New Roman" pitchFamily="18" charset="0"/>
+                        </a:rPr>
+                        <a:t>)</a:t>
+                      </a:r>
+                    </a:p>
+                    <a:p>
+                      <a:r>
+                        <a:rPr kumimoji="0" lang="tr-TR" sz="1900" b="0" i="0" kern="1200" dirty="0" smtClean="0">
+                          <a:solidFill>
+                            <a:schemeClr val="tx1"/>
+                          </a:solidFill>
+                          <a:effectLst/>
+                          <a:latin typeface="Times New Roman" panose="02020603050405020304" pitchFamily="18" charset="0"/>
+                          <a:ea typeface="+mn-ea"/>
+                          <a:cs typeface="Times New Roman" panose="02020603050405020304" pitchFamily="18" charset="0"/>
+                        </a:rPr>
+                        <a:t>∣</a:t>
+                      </a:r>
+                      <a:r>
+                        <a:rPr kumimoji="0" lang="tr-TR" sz="1900" b="0" i="1" kern="1200" dirty="0" smtClean="0">
+                          <a:solidFill>
+                            <a:schemeClr val="tx1"/>
+                          </a:solidFill>
+                          <a:effectLst/>
+                          <a:latin typeface="Times New Roman" panose="02020603050405020304" pitchFamily="18" charset="0"/>
+                          <a:ea typeface="+mn-ea"/>
+                          <a:cs typeface="Times New Roman" panose="02020603050405020304" pitchFamily="18" charset="0"/>
+                        </a:rPr>
+                        <a:t>A</a:t>
+                      </a:r>
+                      <a:r>
+                        <a:rPr kumimoji="0" lang="tr-TR" sz="1900" b="0" i="0" kern="1200" dirty="0" smtClean="0">
+                          <a:solidFill>
+                            <a:schemeClr val="tx1"/>
+                          </a:solidFill>
+                          <a:effectLst/>
+                          <a:latin typeface="Times New Roman" panose="02020603050405020304" pitchFamily="18" charset="0"/>
+                          <a:ea typeface="+mn-ea"/>
+                          <a:cs typeface="Times New Roman" panose="02020603050405020304" pitchFamily="18" charset="0"/>
+                        </a:rPr>
+                        <a:t>∩</a:t>
+                      </a:r>
+                      <a:r>
+                        <a:rPr kumimoji="0" lang="tr-TR" sz="1900" b="0" i="1" kern="1200" dirty="0" smtClean="0">
+                          <a:solidFill>
+                            <a:schemeClr val="tx1"/>
+                          </a:solidFill>
+                          <a:effectLst/>
+                          <a:latin typeface="Times New Roman" panose="02020603050405020304" pitchFamily="18" charset="0"/>
+                          <a:ea typeface="+mn-ea"/>
+                          <a:cs typeface="Times New Roman" panose="02020603050405020304" pitchFamily="18" charset="0"/>
+                        </a:rPr>
+                        <a:t>B</a:t>
+                      </a:r>
+                      <a:r>
+                        <a:rPr kumimoji="0" lang="tr-TR" sz="1900" b="0" i="0" kern="1200" dirty="0" smtClean="0">
+                          <a:solidFill>
+                            <a:schemeClr val="tx1"/>
+                          </a:solidFill>
+                          <a:effectLst/>
+                          <a:latin typeface="Times New Roman" panose="02020603050405020304" pitchFamily="18" charset="0"/>
+                          <a:ea typeface="+mn-ea"/>
+                          <a:cs typeface="Times New Roman" panose="02020603050405020304" pitchFamily="18" charset="0"/>
+                        </a:rPr>
+                        <a:t>∣, iki kümenin kesişim kümesinin eleman sayısını temsil eder.</a:t>
+                      </a:r>
+                    </a:p>
+                    <a:p>
+                      <a:r>
+                        <a:rPr kumimoji="0" lang="tr-TR" sz="1900" b="0" i="0" kern="1200" dirty="0" smtClean="0">
+                          <a:solidFill>
+                            <a:schemeClr val="tx1"/>
+                          </a:solidFill>
+                          <a:effectLst/>
+                          <a:latin typeface="Times New Roman" panose="02020603050405020304" pitchFamily="18" charset="0"/>
+                          <a:ea typeface="+mn-ea"/>
+                          <a:cs typeface="Times New Roman" panose="02020603050405020304" pitchFamily="18" charset="0"/>
+                        </a:rPr>
+                        <a:t>∣</a:t>
+                      </a:r>
+                      <a:r>
+                        <a:rPr kumimoji="0" lang="tr-TR" sz="1900" b="0" i="1" kern="1200" dirty="0" smtClean="0">
+                          <a:solidFill>
+                            <a:schemeClr val="tx1"/>
+                          </a:solidFill>
+                          <a:effectLst/>
+                          <a:latin typeface="Times New Roman" panose="02020603050405020304" pitchFamily="18" charset="0"/>
+                          <a:ea typeface="+mn-ea"/>
+                          <a:cs typeface="Times New Roman" panose="02020603050405020304" pitchFamily="18" charset="0"/>
+                        </a:rPr>
+                        <a:t>A</a:t>
+                      </a:r>
+                      <a:r>
+                        <a:rPr kumimoji="0" lang="tr-TR" sz="1900" b="0" i="0" kern="1200" dirty="0" smtClean="0">
+                          <a:solidFill>
+                            <a:schemeClr val="tx1"/>
+                          </a:solidFill>
+                          <a:effectLst/>
+                          <a:latin typeface="Times New Roman" panose="02020603050405020304" pitchFamily="18" charset="0"/>
+                          <a:ea typeface="+mn-ea"/>
+                          <a:cs typeface="Times New Roman" panose="02020603050405020304" pitchFamily="18" charset="0"/>
+                        </a:rPr>
+                        <a:t>∣ ve ∣</a:t>
+                      </a:r>
+                      <a:r>
+                        <a:rPr kumimoji="0" lang="tr-TR" sz="1900" b="0" i="1" kern="1200" dirty="0" smtClean="0">
+                          <a:solidFill>
+                            <a:schemeClr val="tx1"/>
+                          </a:solidFill>
+                          <a:effectLst/>
+                          <a:latin typeface="Times New Roman" panose="02020603050405020304" pitchFamily="18" charset="0"/>
+                          <a:ea typeface="+mn-ea"/>
+                          <a:cs typeface="Times New Roman" panose="02020603050405020304" pitchFamily="18" charset="0"/>
+                        </a:rPr>
+                        <a:t>B</a:t>
+                      </a:r>
+                      <a:r>
+                        <a:rPr kumimoji="0" lang="tr-TR" sz="1900" b="0" i="0" kern="1200" dirty="0" smtClean="0">
+                          <a:solidFill>
+                            <a:schemeClr val="tx1"/>
+                          </a:solidFill>
+                          <a:effectLst/>
+                          <a:latin typeface="Times New Roman" panose="02020603050405020304" pitchFamily="18" charset="0"/>
+                          <a:ea typeface="+mn-ea"/>
+                          <a:cs typeface="Times New Roman" panose="02020603050405020304" pitchFamily="18" charset="0"/>
+                        </a:rPr>
+                        <a:t>∣, sırasıyla A ve B kümesinin eleman sayılarını temsil eder.</a:t>
                       </a:r>
                     </a:p>
                   </a:txBody>
@@ -8304,7 +9005,51 @@
                   </a:ext>
                 </a:extLst>
               </a:tr>
-              <a:tr h="457795">
+            </a:tbl>
+          </a:graphicData>
+        </a:graphic>
+      </p:graphicFrame>
+      <p:graphicFrame>
+        <p:nvGraphicFramePr>
+          <p:cNvPr id="5" name="Tablo 4"/>
+          <p:cNvGraphicFramePr>
+            <a:graphicFrameLocks noGrp="1"/>
+          </p:cNvGraphicFramePr>
+          <p:nvPr>
+            <p:extLst>
+              <p:ext uri="{D42A27DB-BD31-4B8C-83A1-F6EECF244321}">
+                <p14:modId xmlns:p14="http://schemas.microsoft.com/office/powerpoint/2010/main" val="766066456"/>
+              </p:ext>
+            </p:extLst>
+          </p:nvPr>
+        </p:nvGraphicFramePr>
+        <p:xfrm>
+          <a:off x="1447799" y="5393357"/>
+          <a:ext cx="10439404" cy="1159994"/>
+        </p:xfrm>
+        <a:graphic>
+          <a:graphicData uri="http://schemas.openxmlformats.org/drawingml/2006/table">
+            <a:tbl>
+              <a:tblPr firstRow="1" bandRow="1">
+                <a:tableStyleId>{2D5ABB26-0587-4C30-8999-92F81FD0307C}</a:tableStyleId>
+              </a:tblPr>
+              <a:tblGrid>
+                <a:gridCol w="3563816">
+                  <a:extLst>
+                    <a:ext uri="{9D8B030D-6E8A-4147-A177-3AD203B41FA5}">
+                      <a16:colId xmlns:a16="http://schemas.microsoft.com/office/drawing/2014/main" val="1550730937"/>
+                    </a:ext>
+                  </a:extLst>
+                </a:gridCol>
+                <a:gridCol w="6875588">
+                  <a:extLst>
+                    <a:ext uri="{9D8B030D-6E8A-4147-A177-3AD203B41FA5}">
+                      <a16:colId xmlns:a16="http://schemas.microsoft.com/office/drawing/2014/main" val="4172224211"/>
+                    </a:ext>
+                  </a:extLst>
+                </a:gridCol>
+              </a:tblGrid>
+              <a:tr h="342623">
                 <a:tc>
                   <a:txBody>
                     <a:bodyPr/>
@@ -8423,11 +9168,11 @@
                 </a:tc>
                 <a:extLst>
                   <a:ext uri="{0D108BD9-81ED-4DB2-BD59-A6C34878D82A}">
-                    <a16:rowId xmlns:a16="http://schemas.microsoft.com/office/drawing/2014/main" val="2827008666"/>
+                    <a16:rowId xmlns:a16="http://schemas.microsoft.com/office/drawing/2014/main" val="1999134744"/>
                   </a:ext>
                 </a:extLst>
               </a:tr>
-              <a:tr h="670560">
+              <a:tr h="342623">
                 <a:tc>
                   <a:txBody>
                     <a:bodyPr/>
@@ -8517,11 +9262,19 @@
                           <a:ea typeface="+mj-ea"/>
                           <a:cs typeface="Times New Roman" pitchFamily="18" charset="0"/>
                         </a:rPr>
-                        <a:t>Recall = TP/TP+FN</a:t>
+                        <a:t>Recall = </a:t>
                       </a:r>
-                    </a:p>
-                    <a:p>
-                      <a:pPr marL="0" algn="l" rtl="0" eaLnBrk="1" latinLnBrk="0" hangingPunct="1"/>
+                      <a:r>
+                        <a:rPr kumimoji="0" lang="en-US" sz="1900" kern="1200" dirty="0" smtClean="0">
+                          <a:solidFill>
+                            <a:schemeClr val="tx1"/>
+                          </a:solidFill>
+                          <a:latin typeface="Times New Roman" pitchFamily="18" charset="0"/>
+                          <a:ea typeface="+mj-ea"/>
+                          <a:cs typeface="Times New Roman" pitchFamily="18" charset="0"/>
+                        </a:rPr>
+                        <a:t>TP/TP+FN</a:t>
+                      </a:r>
                       <a:endParaRPr kumimoji="0" lang="en-US" sz="1900" kern="1200" dirty="0">
                         <a:solidFill>
                           <a:schemeClr val="tx1"/>
@@ -8573,11 +9326,11 @@
                 </a:tc>
                 <a:extLst>
                   <a:ext uri="{0D108BD9-81ED-4DB2-BD59-A6C34878D82A}">
-                    <a16:rowId xmlns:a16="http://schemas.microsoft.com/office/drawing/2014/main" val="1074679555"/>
+                    <a16:rowId xmlns:a16="http://schemas.microsoft.com/office/drawing/2014/main" val="976998399"/>
                   </a:ext>
                 </a:extLst>
               </a:tr>
-              <a:tr h="637309">
+              <a:tr h="397994">
                 <a:tc>
                   <a:txBody>
                     <a:bodyPr/>
@@ -8696,7 +9449,7 @@
                 </a:tc>
                 <a:extLst>
                   <a:ext uri="{0D108BD9-81ED-4DB2-BD59-A6C34878D82A}">
-                    <a16:rowId xmlns:a16="http://schemas.microsoft.com/office/drawing/2014/main" val="2469329295"/>
+                    <a16:rowId xmlns:a16="http://schemas.microsoft.com/office/drawing/2014/main" val="1233673881"/>
                   </a:ext>
                 </a:extLst>
               </a:tr>
@@ -8704,60 +9457,6 @@
           </a:graphicData>
         </a:graphic>
       </p:graphicFrame>
-      <p:sp>
-        <p:nvSpPr>
-          <p:cNvPr id="8" name="TextBox 7">
-            <a:extLst>
-              <a:ext uri="{FF2B5EF4-FFF2-40B4-BE49-F238E27FC236}">
-                <a16:creationId xmlns:a16="http://schemas.microsoft.com/office/drawing/2014/main" id="{6158B9AB-0902-43AA-900B-072BAD239399}"/>
-              </a:ext>
-            </a:extLst>
-          </p:cNvPr>
-          <p:cNvSpPr txBox="1"/>
-          <p:nvPr/>
-        </p:nvSpPr>
-        <p:spPr>
-          <a:xfrm>
-            <a:off x="10744200" y="3048000"/>
-            <a:ext cx="1447800" cy="1200329"/>
-          </a:xfrm>
-          <a:prstGeom prst="rect">
-            <a:avLst/>
-          </a:prstGeom>
-          <a:noFill/>
-        </p:spPr>
-        <p:txBody>
-          <a:bodyPr wrap="square" rtlCol="0">
-            <a:spAutoFit/>
-          </a:bodyPr>
-          <a:lstStyle/>
-          <a:p>
-            <a:pPr algn="ctr"/>
-            <a:r>
-              <a:rPr lang="en-US" dirty="0">
-                <a:latin typeface="Times New Roman" panose="02020603050405020304" pitchFamily="18" charset="0"/>
-                <a:cs typeface="Times New Roman" panose="02020603050405020304" pitchFamily="18" charset="0"/>
-              </a:rPr>
-              <a:t>Table (1)</a:t>
-            </a:r>
-          </a:p>
-          <a:p>
-            <a:pPr algn="ctr"/>
-            <a:r>
-              <a:rPr lang="en-US" dirty="0">
-                <a:latin typeface="Times New Roman" panose="02020603050405020304" pitchFamily="18" charset="0"/>
-                <a:ea typeface="+mj-ea"/>
-                <a:cs typeface="Times New Roman" pitchFamily="18" charset="0"/>
-              </a:rPr>
-              <a:t>The performance measures</a:t>
-            </a:r>
-            <a:endParaRPr lang="en-US" dirty="0">
-              <a:latin typeface="Times New Roman" panose="02020603050405020304" pitchFamily="18" charset="0"/>
-              <a:cs typeface="Times New Roman" panose="02020603050405020304" pitchFamily="18" charset="0"/>
-            </a:endParaRPr>
-          </a:p>
-        </p:txBody>
-      </p:sp>
     </p:spTree>
     <p:extLst>
       <p:ext uri="{BB962C8B-B14F-4D97-AF65-F5344CB8AC3E}">
@@ -8768,6 +9467,13 @@
   <p:clrMapOvr>
     <a:masterClrMapping/>
   </p:clrMapOvr>
+  <p:timing>
+    <p:tnLst>
+      <p:par>
+        <p:cTn id="1" dur="indefinite" restart="never" nodeType="tmRoot"/>
+      </p:par>
+    </p:tnLst>
+  </p:timing>
 </p:sld>
 </file>
 
@@ -8825,6 +9531,13 @@
                 <a:cs typeface="Times New Roman" pitchFamily="18" charset="0"/>
               </a:rPr>
               <a:t>Material and methods </a:t>
+            </a:r>
+            <a:r>
+              <a:rPr lang="en-US" sz="2800" dirty="0">
+                <a:latin typeface="Times New Roman" pitchFamily="18" charset="0"/>
+                <a:cs typeface="Times New Roman" pitchFamily="18" charset="0"/>
+              </a:rPr>
+              <a:t/>
             </a:r>
             <a:br>
               <a:rPr lang="en-US" sz="2800" dirty="0">
@@ -8943,7 +9656,7 @@
         </p:blipFill>
         <p:spPr>
           <a:xfrm>
-            <a:off x="1905000" y="1371600"/>
+            <a:off x="508385" y="951152"/>
             <a:ext cx="3860030" cy="3886200"/>
           </a:xfrm>
           <a:prstGeom prst="rect">
@@ -8973,7 +9686,7 @@
         </p:blipFill>
         <p:spPr>
           <a:xfrm>
-            <a:off x="5779684" y="1447800"/>
+            <a:off x="5791200" y="2911876"/>
             <a:ext cx="5372100" cy="2990850"/>
           </a:xfrm>
           <a:prstGeom prst="rect">
@@ -9003,7 +9716,7 @@
         </p:blipFill>
         <p:spPr>
           <a:xfrm>
-            <a:off x="5800199" y="4676775"/>
+            <a:off x="5791200" y="6033989"/>
             <a:ext cx="2705100" cy="733425"/>
           </a:xfrm>
           <a:prstGeom prst="rect">
@@ -9011,6 +9724,142 @@
           </a:prstGeom>
         </p:spPr>
       </p:pic>
+      <p:pic>
+        <p:nvPicPr>
+          <p:cNvPr id="3" name="Resim 2">
+            <a:extLst>
+              <a:ext uri="{FF2B5EF4-FFF2-40B4-BE49-F238E27FC236}">
+                <a16:creationId xmlns:a16="http://schemas.microsoft.com/office/drawing/2014/main" id="{AB2493B0-8DB9-3D28-B171-49946367D4B7}"/>
+              </a:ext>
+            </a:extLst>
+          </p:cNvPr>
+          <p:cNvPicPr>
+            <a:picLocks noChangeAspect="1"/>
+          </p:cNvPicPr>
+          <p:nvPr/>
+        </p:nvPicPr>
+        <p:blipFill>
+          <a:blip r:embed="rId6"/>
+          <a:stretch>
+            <a:fillRect/>
+          </a:stretch>
+        </p:blipFill>
+        <p:spPr>
+          <a:xfrm>
+            <a:off x="1027916" y="4419600"/>
+            <a:ext cx="2286000" cy="2350745"/>
+          </a:xfrm>
+          <a:prstGeom prst="rect">
+            <a:avLst/>
+          </a:prstGeom>
+        </p:spPr>
+      </p:pic>
+      <p:sp>
+        <p:nvSpPr>
+          <p:cNvPr id="2" name="Dikdörtgen 1"/>
+          <p:cNvSpPr/>
+          <p:nvPr/>
+        </p:nvSpPr>
+        <p:spPr>
+          <a:xfrm>
+            <a:off x="4114800" y="954083"/>
+            <a:ext cx="7772403" cy="2264081"/>
+          </a:xfrm>
+          <a:prstGeom prst="rect">
+            <a:avLst/>
+          </a:prstGeom>
+        </p:spPr>
+        <p:txBody>
+          <a:bodyPr wrap="square">
+            <a:spAutoFit/>
+          </a:bodyPr>
+          <a:lstStyle/>
+          <a:p>
+            <a:pPr marL="285750" indent="-285750">
+              <a:lnSpc>
+                <a:spcPct val="150000"/>
+              </a:lnSpc>
+              <a:buFont typeface="Arial" panose="020B0604020202020204" pitchFamily="34" charset="0"/>
+              <a:buChar char="•"/>
+            </a:pPr>
+            <a:r>
+              <a:rPr lang="tr-TR" sz="1600" dirty="0" err="1">
+                <a:latin typeface="Times New Roman" panose="02020603050405020304" pitchFamily="18" charset="0"/>
+                <a:cs typeface="Times New Roman" panose="02020603050405020304" pitchFamily="18" charset="0"/>
+              </a:rPr>
+              <a:t>Jaccard</a:t>
+            </a:r>
+            <a:r>
+              <a:rPr lang="tr-TR" sz="1600" dirty="0">
+                <a:latin typeface="Times New Roman" panose="02020603050405020304" pitchFamily="18" charset="0"/>
+                <a:cs typeface="Times New Roman" panose="02020603050405020304" pitchFamily="18" charset="0"/>
+              </a:rPr>
+              <a:t> İndeksi, özellikle küme teorisi bağlamında kullanılır ve iki kümenin </a:t>
+            </a:r>
+            <a:r>
+              <a:rPr lang="tr-TR" sz="1600" dirty="0" err="1">
+                <a:latin typeface="Times New Roman" panose="02020603050405020304" pitchFamily="18" charset="0"/>
+                <a:cs typeface="Times New Roman" panose="02020603050405020304" pitchFamily="18" charset="0"/>
+              </a:rPr>
+              <a:t>kesişimini</a:t>
+            </a:r>
+            <a:r>
+              <a:rPr lang="tr-TR" sz="1600" dirty="0">
+                <a:latin typeface="Times New Roman" panose="02020603050405020304" pitchFamily="18" charset="0"/>
+                <a:cs typeface="Times New Roman" panose="02020603050405020304" pitchFamily="18" charset="0"/>
+              </a:rPr>
+              <a:t>, birleşimine oranlayarak benzerliği ölçer</a:t>
+            </a:r>
+            <a:r>
+              <a:rPr lang="tr-TR" sz="1600" dirty="0" smtClean="0">
+                <a:latin typeface="Times New Roman" panose="02020603050405020304" pitchFamily="18" charset="0"/>
+                <a:cs typeface="Times New Roman" panose="02020603050405020304" pitchFamily="18" charset="0"/>
+              </a:rPr>
+              <a:t>.</a:t>
+            </a:r>
+          </a:p>
+          <a:p>
+            <a:pPr marL="285750" indent="-285750">
+              <a:lnSpc>
+                <a:spcPct val="150000"/>
+              </a:lnSpc>
+              <a:buFont typeface="Arial" panose="020B0604020202020204" pitchFamily="34" charset="0"/>
+              <a:buChar char="•"/>
+            </a:pPr>
+            <a:endParaRPr lang="tr-TR" sz="1600" dirty="0" smtClean="0">
+              <a:latin typeface="Times New Roman" panose="02020603050405020304" pitchFamily="18" charset="0"/>
+              <a:cs typeface="Times New Roman" panose="02020603050405020304" pitchFamily="18" charset="0"/>
+            </a:endParaRPr>
+          </a:p>
+          <a:p>
+            <a:pPr marL="285750" indent="-285750">
+              <a:lnSpc>
+                <a:spcPct val="150000"/>
+              </a:lnSpc>
+              <a:buFont typeface="Arial" panose="020B0604020202020204" pitchFamily="34" charset="0"/>
+              <a:buChar char="•"/>
+            </a:pPr>
+            <a:r>
+              <a:rPr lang="tr-TR" sz="1600" dirty="0" err="1">
+                <a:latin typeface="Times New Roman" panose="02020603050405020304" pitchFamily="18" charset="0"/>
+                <a:cs typeface="Times New Roman" panose="02020603050405020304" pitchFamily="18" charset="0"/>
+              </a:rPr>
+              <a:t>Jaccard</a:t>
+            </a:r>
+            <a:r>
+              <a:rPr lang="tr-TR" sz="1600" dirty="0">
+                <a:latin typeface="Times New Roman" panose="02020603050405020304" pitchFamily="18" charset="0"/>
+                <a:cs typeface="Times New Roman" panose="02020603050405020304" pitchFamily="18" charset="0"/>
+              </a:rPr>
+              <a:t> İndeksi de 0 ile 1 arasında bir değer alır. İndeks 0'a yaklaştıkça, küme elemanları arasındaki benzerlik azalır. İndeks 1'e yaklaştıkça, küme elemanları arasındaki benzerlik artar.</a:t>
+            </a:r>
+            <a:endParaRPr lang="tr-TR" sz="1600" dirty="0">
+              <a:latin typeface="Times New Roman" panose="02020603050405020304" pitchFamily="18" charset="0"/>
+              <a:cs typeface="Times New Roman" panose="02020603050405020304" pitchFamily="18" charset="0"/>
+            </a:endParaRPr>
+          </a:p>
+        </p:txBody>
+      </p:sp>
     </p:spTree>
     <p:extLst>
       <p:ext uri="{BB962C8B-B14F-4D97-AF65-F5344CB8AC3E}">
@@ -9021,6 +9870,13 @@
   <p:clrMapOvr>
     <a:masterClrMapping/>
   </p:clrMapOvr>
+  <p:timing>
+    <p:tnLst>
+      <p:par>
+        <p:cTn id="1" dur="indefinite" restart="never" nodeType="tmRoot"/>
+      </p:par>
+    </p:tnLst>
+  </p:timing>
 </p:sld>
 </file>
 
@@ -9079,6 +9935,13 @@
               </a:rPr>
               <a:t>Material and methods </a:t>
             </a:r>
+            <a:r>
+              <a:rPr lang="en-US" sz="2800" dirty="0">
+                <a:latin typeface="Times New Roman" pitchFamily="18" charset="0"/>
+                <a:cs typeface="Times New Roman" pitchFamily="18" charset="0"/>
+              </a:rPr>
+              <a:t/>
+            </a:r>
             <a:br>
               <a:rPr lang="en-US" sz="2800" dirty="0">
                 <a:latin typeface="Times New Roman" pitchFamily="18" charset="0"/>
@@ -9176,10 +10039,10 @@
       </p:sp>
       <p:pic>
         <p:nvPicPr>
-          <p:cNvPr id="3" name="Resim 2">
+          <p:cNvPr id="7" name="Resim 6">
             <a:extLst>
               <a:ext uri="{FF2B5EF4-FFF2-40B4-BE49-F238E27FC236}">
-                <a16:creationId xmlns:a16="http://schemas.microsoft.com/office/drawing/2014/main" id="{D90C35BE-3668-5638-C360-03D91280A56E}"/>
+                <a16:creationId xmlns:a16="http://schemas.microsoft.com/office/drawing/2014/main" id="{156A5A99-820B-9832-EEFE-70F5BC7B6298}"/>
               </a:ext>
             </a:extLst>
           </p:cNvPr>
@@ -9196,23 +10059,222 @@
         </p:blipFill>
         <p:spPr>
           <a:xfrm>
-            <a:off x="1676400" y="954109"/>
-            <a:ext cx="5887159" cy="5688000"/>
+            <a:off x="7458078" y="381000"/>
+            <a:ext cx="4429125" cy="1724025"/>
           </a:xfrm>
           <a:prstGeom prst="rect">
             <a:avLst/>
           </a:prstGeom>
         </p:spPr>
       </p:pic>
+      <p:sp>
+        <p:nvSpPr>
+          <p:cNvPr id="2" name="Dikdörtgen 1"/>
+          <p:cNvSpPr/>
+          <p:nvPr/>
+        </p:nvSpPr>
+        <p:spPr>
+          <a:xfrm>
+            <a:off x="6378448" y="2838004"/>
+            <a:ext cx="5508755" cy="3785652"/>
+          </a:xfrm>
+          <a:prstGeom prst="rect">
+            <a:avLst/>
+          </a:prstGeom>
+        </p:spPr>
+        <p:txBody>
+          <a:bodyPr wrap="square">
+            <a:spAutoFit/>
+          </a:bodyPr>
+          <a:lstStyle/>
+          <a:p>
+            <a:pPr marL="285750" indent="-285750" algn="just">
+              <a:buFont typeface="Arial" panose="020B0604020202020204" pitchFamily="34" charset="0"/>
+              <a:buChar char="•"/>
+            </a:pPr>
+            <a:r>
+              <a:rPr lang="tr-TR" sz="1600" dirty="0" err="1" smtClean="0">
+                <a:latin typeface="Times New Roman" panose="02020603050405020304" pitchFamily="18" charset="0"/>
+                <a:cs typeface="Times New Roman" panose="02020603050405020304" pitchFamily="18" charset="0"/>
+              </a:rPr>
+              <a:t>Dice</a:t>
+            </a:r>
+            <a:r>
+              <a:rPr lang="tr-TR" sz="1600" dirty="0" smtClean="0">
+                <a:latin typeface="Times New Roman" panose="02020603050405020304" pitchFamily="18" charset="0"/>
+                <a:cs typeface="Times New Roman" panose="02020603050405020304" pitchFamily="18" charset="0"/>
+              </a:rPr>
+              <a:t> </a:t>
+            </a:r>
+            <a:r>
+              <a:rPr lang="tr-TR" sz="1600" dirty="0" err="1">
+                <a:latin typeface="Times New Roman" panose="02020603050405020304" pitchFamily="18" charset="0"/>
+                <a:cs typeface="Times New Roman" panose="02020603050405020304" pitchFamily="18" charset="0"/>
+              </a:rPr>
+              <a:t>coefficient</a:t>
+            </a:r>
+            <a:r>
+              <a:rPr lang="tr-TR" sz="1600" dirty="0">
+                <a:latin typeface="Times New Roman" panose="02020603050405020304" pitchFamily="18" charset="0"/>
+                <a:cs typeface="Times New Roman" panose="02020603050405020304" pitchFamily="18" charset="0"/>
+              </a:rPr>
+              <a:t> (</a:t>
+            </a:r>
+            <a:r>
+              <a:rPr lang="tr-TR" sz="1600" dirty="0" err="1">
+                <a:latin typeface="Times New Roman" panose="02020603050405020304" pitchFamily="18" charset="0"/>
+                <a:cs typeface="Times New Roman" panose="02020603050405020304" pitchFamily="18" charset="0"/>
+              </a:rPr>
+              <a:t>Dice</a:t>
+            </a:r>
+            <a:r>
+              <a:rPr lang="tr-TR" sz="1600" dirty="0">
+                <a:latin typeface="Times New Roman" panose="02020603050405020304" pitchFamily="18" charset="0"/>
+                <a:cs typeface="Times New Roman" panose="02020603050405020304" pitchFamily="18" charset="0"/>
+              </a:rPr>
+              <a:t> benzerlik katsayısı), özellikle görüntü </a:t>
+            </a:r>
+            <a:r>
+              <a:rPr lang="tr-TR" sz="1600" dirty="0" err="1">
+                <a:latin typeface="Times New Roman" panose="02020603050405020304" pitchFamily="18" charset="0"/>
+                <a:cs typeface="Times New Roman" panose="02020603050405020304" pitchFamily="18" charset="0"/>
+              </a:rPr>
+              <a:t>segmentasyonu</a:t>
+            </a:r>
+            <a:r>
+              <a:rPr lang="tr-TR" sz="1600" dirty="0">
+                <a:latin typeface="Times New Roman" panose="02020603050405020304" pitchFamily="18" charset="0"/>
+                <a:cs typeface="Times New Roman" panose="02020603050405020304" pitchFamily="18" charset="0"/>
+              </a:rPr>
+              <a:t> ve ölçeklendirme konularında kullanılan bir benzerlik ölçüsüdür. Genellikle iki küme veya bölgenin benzerliğini ölçmek için kullanılır. </a:t>
+            </a:r>
+            <a:r>
+              <a:rPr lang="tr-TR" sz="1600" dirty="0">
+                <a:latin typeface="Times New Roman" panose="02020603050405020304" pitchFamily="18" charset="0"/>
+                <a:cs typeface="Times New Roman" panose="02020603050405020304" pitchFamily="18" charset="0"/>
+              </a:rPr>
+              <a:t>İki küme arasındaki benzerlik, kesişen öğelerin toplam öğeler sayısına oranı ile hesaplanır</a:t>
+            </a:r>
+            <a:r>
+              <a:rPr lang="tr-TR" sz="1600" dirty="0" smtClean="0">
+                <a:latin typeface="Times New Roman" panose="02020603050405020304" pitchFamily="18" charset="0"/>
+                <a:cs typeface="Times New Roman" panose="02020603050405020304" pitchFamily="18" charset="0"/>
+              </a:rPr>
+              <a:t>.</a:t>
+            </a:r>
+          </a:p>
+          <a:p>
+            <a:pPr marL="285750" indent="-285750" algn="just">
+              <a:buFont typeface="Arial" panose="020B0604020202020204" pitchFamily="34" charset="0"/>
+              <a:buChar char="•"/>
+            </a:pPr>
+            <a:endParaRPr lang="tr-TR" sz="1600" dirty="0">
+              <a:latin typeface="Times New Roman" panose="02020603050405020304" pitchFamily="18" charset="0"/>
+              <a:cs typeface="Times New Roman" panose="02020603050405020304" pitchFamily="18" charset="0"/>
+            </a:endParaRPr>
+          </a:p>
+          <a:p>
+            <a:pPr marL="285750" indent="-285750" algn="just">
+              <a:buFont typeface="Arial" panose="020B0604020202020204" pitchFamily="34" charset="0"/>
+              <a:buChar char="•"/>
+            </a:pPr>
+            <a:r>
+              <a:rPr lang="tr-TR" sz="1600" dirty="0" err="1" smtClean="0">
+                <a:latin typeface="Times New Roman" panose="02020603050405020304" pitchFamily="18" charset="0"/>
+                <a:cs typeface="Times New Roman" panose="02020603050405020304" pitchFamily="18" charset="0"/>
+              </a:rPr>
+              <a:t>Dice</a:t>
+            </a:r>
+            <a:r>
+              <a:rPr lang="tr-TR" sz="1600" dirty="0" smtClean="0">
+                <a:latin typeface="Times New Roman" panose="02020603050405020304" pitchFamily="18" charset="0"/>
+                <a:cs typeface="Times New Roman" panose="02020603050405020304" pitchFamily="18" charset="0"/>
+              </a:rPr>
+              <a:t> </a:t>
+            </a:r>
+            <a:r>
+              <a:rPr lang="tr-TR" sz="1600" dirty="0">
+                <a:latin typeface="Times New Roman" panose="02020603050405020304" pitchFamily="18" charset="0"/>
+                <a:cs typeface="Times New Roman" panose="02020603050405020304" pitchFamily="18" charset="0"/>
+              </a:rPr>
+              <a:t>benzerlik katsayısı, 0 ile 1 arasında bir değer alır. 0, iki kümenin hiç ortak elemanı olmadığı anlamına gelirken, 1, iki kümenin tamamen örtüştüğü (kesişim kümesinin, her iki kümenin birleşim kümesine eşit olduğu) anlamına gelir</a:t>
+            </a:r>
+            <a:r>
+              <a:rPr lang="tr-TR" sz="1600" dirty="0" smtClean="0">
+                <a:latin typeface="Times New Roman" panose="02020603050405020304" pitchFamily="18" charset="0"/>
+                <a:cs typeface="Times New Roman" panose="02020603050405020304" pitchFamily="18" charset="0"/>
+              </a:rPr>
+              <a:t>.</a:t>
+            </a:r>
+          </a:p>
+          <a:p>
+            <a:pPr marL="285750" indent="-285750" algn="just">
+              <a:buFont typeface="Arial" panose="020B0604020202020204" pitchFamily="34" charset="0"/>
+              <a:buChar char="•"/>
+            </a:pPr>
+            <a:endParaRPr lang="tr-TR" sz="1600" dirty="0">
+              <a:latin typeface="Times New Roman" panose="02020603050405020304" pitchFamily="18" charset="0"/>
+              <a:cs typeface="Times New Roman" panose="02020603050405020304" pitchFamily="18" charset="0"/>
+            </a:endParaRPr>
+          </a:p>
+          <a:p>
+            <a:pPr marL="285750" indent="-285750" algn="just">
+              <a:buFont typeface="Arial" panose="020B0604020202020204" pitchFamily="34" charset="0"/>
+              <a:buChar char="•"/>
+            </a:pPr>
+            <a:r>
+              <a:rPr lang="tr-TR" sz="1600" dirty="0" err="1">
+                <a:latin typeface="Times New Roman" panose="02020603050405020304" pitchFamily="18" charset="0"/>
+                <a:cs typeface="Times New Roman" panose="02020603050405020304" pitchFamily="18" charset="0"/>
+              </a:rPr>
+              <a:t>Dice</a:t>
+            </a:r>
+            <a:r>
+              <a:rPr lang="tr-TR" sz="1600" dirty="0">
+                <a:latin typeface="Times New Roman" panose="02020603050405020304" pitchFamily="18" charset="0"/>
+                <a:cs typeface="Times New Roman" panose="02020603050405020304" pitchFamily="18" charset="0"/>
+              </a:rPr>
+              <a:t> </a:t>
+            </a:r>
+            <a:r>
+              <a:rPr lang="tr-TR" sz="1600" dirty="0" err="1">
+                <a:latin typeface="Times New Roman" panose="02020603050405020304" pitchFamily="18" charset="0"/>
+                <a:cs typeface="Times New Roman" panose="02020603050405020304" pitchFamily="18" charset="0"/>
+              </a:rPr>
+              <a:t>coefficient</a:t>
+            </a:r>
+            <a:r>
+              <a:rPr lang="tr-TR" sz="1600" dirty="0">
+                <a:latin typeface="Times New Roman" panose="02020603050405020304" pitchFamily="18" charset="0"/>
+                <a:cs typeface="Times New Roman" panose="02020603050405020304" pitchFamily="18" charset="0"/>
+              </a:rPr>
+              <a:t>, özellikle </a:t>
+            </a:r>
+            <a:r>
+              <a:rPr lang="tr-TR" sz="1600" dirty="0" err="1">
+                <a:latin typeface="Times New Roman" panose="02020603050405020304" pitchFamily="18" charset="0"/>
+                <a:cs typeface="Times New Roman" panose="02020603050405020304" pitchFamily="18" charset="0"/>
+              </a:rPr>
+              <a:t>segmentasyon</a:t>
+            </a:r>
+            <a:r>
+              <a:rPr lang="tr-TR" sz="1600" dirty="0">
+                <a:latin typeface="Times New Roman" panose="02020603050405020304" pitchFamily="18" charset="0"/>
+                <a:cs typeface="Times New Roman" panose="02020603050405020304" pitchFamily="18" charset="0"/>
+              </a:rPr>
+              <a:t> algoritmalarının performansını değerlendirmek ve iki bölgenin ne kadar örtüştüğünü ölçmek için yaygın olarak kullanılır.</a:t>
+            </a:r>
+            <a:endParaRPr lang="tr-TR" sz="1600" b="0" i="0" dirty="0">
+              <a:effectLst/>
+              <a:latin typeface="Times New Roman" panose="02020603050405020304" pitchFamily="18" charset="0"/>
+              <a:cs typeface="Times New Roman" panose="02020603050405020304" pitchFamily="18" charset="0"/>
+            </a:endParaRPr>
+          </a:p>
+        </p:txBody>
+      </p:sp>
       <p:pic>
         <p:nvPicPr>
-          <p:cNvPr id="7" name="Resim 6">
-            <a:extLst>
-              <a:ext uri="{FF2B5EF4-FFF2-40B4-BE49-F238E27FC236}">
-                <a16:creationId xmlns:a16="http://schemas.microsoft.com/office/drawing/2014/main" id="{156A5A99-820B-9832-EEFE-70F5BC7B6298}"/>
-              </a:ext>
-            </a:extLst>
-          </p:cNvPr>
+          <p:cNvPr id="5" name="Resim 4"/>
           <p:cNvPicPr>
             <a:picLocks noChangeAspect="1"/>
           </p:cNvPicPr>
@@ -9226,8 +10288,8 @@
         </p:blipFill>
         <p:spPr>
           <a:xfrm>
-            <a:off x="7620000" y="980318"/>
-            <a:ext cx="4429125" cy="1724025"/>
+            <a:off x="381000" y="152400"/>
+            <a:ext cx="5524979" cy="1844200"/>
           </a:xfrm>
           <a:prstGeom prst="rect">
             <a:avLst/>
@@ -9236,13 +10298,7 @@
       </p:pic>
       <p:pic>
         <p:nvPicPr>
-          <p:cNvPr id="9" name="Resim 8">
-            <a:extLst>
-              <a:ext uri="{FF2B5EF4-FFF2-40B4-BE49-F238E27FC236}">
-                <a16:creationId xmlns:a16="http://schemas.microsoft.com/office/drawing/2014/main" id="{463058D9-80BF-38F4-B923-F651BC3B66F1}"/>
-              </a:ext>
-            </a:extLst>
-          </p:cNvPr>
+          <p:cNvPr id="6" name="Resim 5"/>
           <p:cNvPicPr>
             <a:picLocks noChangeAspect="1"/>
           </p:cNvPicPr>
@@ -9256,8 +10312,32 @@
         </p:blipFill>
         <p:spPr>
           <a:xfrm>
-            <a:off x="9130068" y="3038475"/>
-            <a:ext cx="1190625" cy="390525"/>
+            <a:off x="381000" y="1996313"/>
+            <a:ext cx="5601185" cy="4801016"/>
+          </a:xfrm>
+          <a:prstGeom prst="rect">
+            <a:avLst/>
+          </a:prstGeom>
+        </p:spPr>
+      </p:pic>
+      <p:pic>
+        <p:nvPicPr>
+          <p:cNvPr id="8" name="Resim 7"/>
+          <p:cNvPicPr>
+            <a:picLocks noChangeAspect="1"/>
+          </p:cNvPicPr>
+          <p:nvPr/>
+        </p:nvPicPr>
+        <p:blipFill>
+          <a:blip r:embed="rId6"/>
+          <a:stretch>
+            <a:fillRect/>
+          </a:stretch>
+        </p:blipFill>
+        <p:spPr>
+          <a:xfrm>
+            <a:off x="8305800" y="2184568"/>
+            <a:ext cx="2263336" cy="556308"/>
           </a:xfrm>
           <a:prstGeom prst="rect">
             <a:avLst/>
@@ -9274,6 +10354,13 @@
   <p:clrMapOvr>
     <a:masterClrMapping/>
   </p:clrMapOvr>
+  <p:timing>
+    <p:tnLst>
+      <p:par>
+        <p:cTn id="1" dur="indefinite" restart="never" nodeType="tmRoot"/>
+      </p:par>
+    </p:tnLst>
+  </p:timing>
 </p:sld>
 </file>
 
